--- a/Presentation/Powerpoint/powerpoint_presentation.pptx
+++ b/Presentation/Powerpoint/powerpoint_presentation.pptx
@@ -6634,22 +6634,65 @@
         </p:spPr>
         <p:txBody>
           <a:bodyPr>
-            <a:normAutofit/>
+            <a:noAutofit/>
           </a:bodyPr>
           <a:lstStyle/>
           <a:p>
             <a:r>
-              <a:rPr lang="el-GR" dirty="0"/>
-              <a:t>Την τελευταία δεκαετία έχει παρατηρηθεί εκθετική ανάπτυξη στον τομέα των αλγοριθμικών συστημάτων. Σήμερα έχουμε φτάσει πλέον στο σημείο εφαρμογής αλγορίθμων μηχανικής μάθησης, με στόχο την επίλυση σύνθετων επιστημονικών και κοινωνικών προβλημάτων. Η διαδεδομένη χρήση τους γεννά ωστόσο ορισμένα ηθικά ζητήματα. </a:t>
-            </a:r>
-          </a:p>
-          <a:p>
-            <a:endParaRPr lang="el-GR" dirty="0"/>
-          </a:p>
-          <a:p>
-            <a:r>
-              <a:rPr lang="el-GR" dirty="0"/>
-              <a:t>Ο κλάδος της αλγοριθμικής ηθικής γνώρισε επίσης ανάπτυξη τα τελευταία χρόνια και καλείται να αναλύσει επαρκώς και να προτείνει λύσεις στα ηθικά ζητήματα της εφαρμογής των αλγορίθμων.</a:t>
+              <a:rPr lang="el-GR" sz="2400" dirty="0">
+                <a:latin typeface="Calibri" panose="020F0502020204030204" pitchFamily="34" charset="0"/>
+                <a:cs typeface="Calibri" panose="020F0502020204030204" pitchFamily="34" charset="0"/>
+              </a:rPr>
+              <a:t>Την τελευταία δεκαετία έχει παρατηρηθεί εκθετική ανάπτυξη στον τομέα των αλγοριθμικών συστημάτων. Σήμερα βρισκόμαστε πλέον στο σημείο εφαρμογής </a:t>
+            </a:r>
+            <a:r>
+              <a:rPr lang="el-GR" sz="2400" b="1" i="1" dirty="0">
+                <a:solidFill>
+                  <a:srgbClr val="FFC000"/>
+                </a:solidFill>
+                <a:latin typeface="Calibri" panose="020F0502020204030204" pitchFamily="34" charset="0"/>
+                <a:cs typeface="Calibri" panose="020F0502020204030204" pitchFamily="34" charset="0"/>
+              </a:rPr>
+              <a:t>αλγορίθμων μηχανικής μάθησης</a:t>
+            </a:r>
+            <a:r>
+              <a:rPr lang="el-GR" sz="2400" dirty="0">
+                <a:latin typeface="Calibri" panose="020F0502020204030204" pitchFamily="34" charset="0"/>
+                <a:cs typeface="Calibri" panose="020F0502020204030204" pitchFamily="34" charset="0"/>
+              </a:rPr>
+              <a:t>, με στόχο την επίλυση σύνθετων επιστημονικών και κοινωνικών προβλημάτων. Η διαδεδομένη χρήση τους γεννά ωστόσο ορισμένα ηθικά ζητήματα. </a:t>
+            </a:r>
+          </a:p>
+          <a:p>
+            <a:endParaRPr lang="el-GR" sz="2400" dirty="0">
+              <a:latin typeface="Calibri" panose="020F0502020204030204" pitchFamily="34" charset="0"/>
+              <a:cs typeface="Calibri" panose="020F0502020204030204" pitchFamily="34" charset="0"/>
+            </a:endParaRPr>
+          </a:p>
+          <a:p>
+            <a:r>
+              <a:rPr lang="el-GR" sz="2400" dirty="0">
+                <a:latin typeface="Calibri" panose="020F0502020204030204" pitchFamily="34" charset="0"/>
+                <a:cs typeface="Calibri" panose="020F0502020204030204" pitchFamily="34" charset="0"/>
+              </a:rPr>
+              <a:t>Ο κλάδος της </a:t>
+            </a:r>
+            <a:r>
+              <a:rPr lang="el-GR" sz="2400" b="1" i="1" dirty="0">
+                <a:solidFill>
+                  <a:srgbClr val="FFC000"/>
+                </a:solidFill>
+                <a:latin typeface="Calibri" panose="020F0502020204030204" pitchFamily="34" charset="0"/>
+                <a:cs typeface="Calibri" panose="020F0502020204030204" pitchFamily="34" charset="0"/>
+              </a:rPr>
+              <a:t>αλγοριθμικής ηθικής</a:t>
+            </a:r>
+            <a:r>
+              <a:rPr lang="el-GR" sz="2400" dirty="0">
+                <a:latin typeface="Calibri" panose="020F0502020204030204" pitchFamily="34" charset="0"/>
+                <a:cs typeface="Calibri" panose="020F0502020204030204" pitchFamily="34" charset="0"/>
+              </a:rPr>
+              <a:t> καλείται να αναλύσει επαρκώς και να προτείνει λύσεις στα ηθικά ζητήματα της εφαρμογής των αλγορίθμων.</a:t>
             </a:r>
           </a:p>
         </p:txBody>
@@ -7546,18 +7589,37 @@
           <a:bodyPr/>
           <a:lstStyle/>
           <a:p>
-            <a:pPr algn="just"/>
-            <a:r>
-              <a:rPr lang="el-GR" sz="2800" dirty="0">
-                <a:effectLst/>
-                <a:latin typeface="Calibri" panose="020F0502020204030204" pitchFamily="34" charset="0"/>
-                <a:ea typeface="Times New Roman" panose="02020603050405020304" pitchFamily="18" charset="0"/>
-                <a:cs typeface="Times New Roman" panose="02020603050405020304" pitchFamily="18" charset="0"/>
-              </a:rPr>
-              <a:t>Η κακή ποιότητα των δεδομένων μπορεί να περιορίσει τη δυνατότητα επιβεβαίωσης αποφάσεων από αλγόριθμους, καθώς οι πληροφορίες που εξάγονται μπορεί να είναι ανασφαλείς, ανεπαρκείς και να εξαρτώνται από παράγοντες που σχετίζονται με τη διαδικασία συλλογής των δεδομένων.</a:t>
-            </a:r>
-          </a:p>
-          <a:p>
+            <a:r>
+              <a:rPr lang="el-GR" sz="2400" dirty="0"/>
+              <a:t>Οι μη-ντετερμινιστικοί αλγόριθμοι μπορούν να παράγουν μη-σαφή αποδεικτικά στοιχεία, προκαλώντας άδικες ενέργειες. Προκύπτουν προβλήματα λόγω προκαταλήψεων, κακής ποιότητας των δεδομένων και απουσίας ανθρώπινης κριτικής σκέψης.</a:t>
+            </a:r>
+          </a:p>
+          <a:p>
+            <a:pPr marL="0" indent="0">
+              <a:buNone/>
+            </a:pPr>
+            <a:endParaRPr lang="el-GR" sz="2400" dirty="0"/>
+          </a:p>
+          <a:p>
+            <a:pPr marL="0" indent="0">
+              <a:buNone/>
+            </a:pPr>
+            <a:endParaRPr lang="el-GR" dirty="0"/>
+          </a:p>
+          <a:p>
+            <a:r>
+              <a:rPr lang="el-GR" dirty="0"/>
+              <a:t> </a:t>
+            </a:r>
+            <a:r>
+              <a:rPr lang="el-GR" sz="2400" dirty="0"/>
+              <a:t>Η επικύρωση και ο έλεγχος των δεδομένων ξεχωριστά σε     	κάθε βήμα είναι ζωτικής σημασίας.</a:t>
+            </a:r>
+          </a:p>
+          <a:p>
+            <a:pPr marL="0" indent="0">
+              <a:buNone/>
+            </a:pPr>
             <a:endParaRPr lang="el-GR" dirty="0"/>
           </a:p>
         </p:txBody>
@@ -7651,19 +7713,23 @@
           <a:bodyPr/>
           <a:lstStyle/>
           <a:p>
-            <a:pPr algn="just"/>
-            <a:r>
-              <a:rPr lang="el-GR" sz="2800" dirty="0">
-                <a:effectLst/>
-                <a:latin typeface="Calibri" panose="020F0502020204030204" pitchFamily="34" charset="0"/>
-                <a:ea typeface="Times New Roman" panose="02020603050405020304" pitchFamily="18" charset="0"/>
-                <a:cs typeface="Times New Roman" panose="02020603050405020304" pitchFamily="18" charset="0"/>
+            <a:r>
+              <a:rPr lang="el-GR" sz="2400" dirty="0">
+                <a:latin typeface="+mn-lt"/>
               </a:rPr>
-              <a:t>Η έλλειψη διαφάνειας που συχνά χαρακτηρίζει τους αλγόριθμους, δηλαδή ή έλλειψη εποπτείας και ευθύνης, συχνά συρρικνώνει την εμπιστοσύνη των ανθρώπων ως προς τις αποφάσεις των αλγορίθμων. </a:t>
+              <a:t>Η πολυπλοκότητα των αλγορίθμων, η μεταβλητότητα του κώδικα και η δυσκολία στην επεξήγηση μοντέλων μηχανικής μάθησης οδηγούν στην έλλειψη διαφάνειας.</a:t>
             </a:r>
           </a:p>
           <a:p>
             <a:endParaRPr lang="el-GR" dirty="0"/>
+          </a:p>
+          <a:p>
+            <a:r>
+              <a:rPr lang="el-GR" sz="2400" dirty="0">
+                <a:latin typeface="+mn-lt"/>
+              </a:rPr>
+              <a:t>Βιώσιμη λύση η δημόσια εκπαίδευση των πολιτών στα σημερινά υπολογιστικά μοντέλα και δεδομένα, για την καλύτερη κατανόηση της πολυπλοκότητάς τους.</a:t>
+            </a:r>
           </a:p>
         </p:txBody>
       </p:sp>
@@ -7769,14 +7835,47 @@
           <a:p>
             <a:pPr algn="just"/>
             <a:r>
-              <a:rPr lang="el-GR" sz="2800" dirty="0">
-                <a:effectLst/>
-                <a:latin typeface="Calibri" panose="020F0502020204030204" pitchFamily="34" charset="0"/>
-                <a:ea typeface="Times New Roman" panose="02020603050405020304" pitchFamily="18" charset="0"/>
-                <a:cs typeface="Times New Roman" panose="02020603050405020304" pitchFamily="18" charset="0"/>
+              <a:rPr lang="el-GR" sz="2400" dirty="0">
+                <a:latin typeface="+mn-lt"/>
+                <a:cs typeface="Calibri" panose="020F0502020204030204" pitchFamily="34" charset="0"/>
               </a:rPr>
-              <a:t>Η χρήση λανθασμένων δεδομένων που καταλήγουν σε προκατάληψη των αλγορίθμων και σε εσφαλμένες αποφάσεις.</a:t>
-            </a:r>
+              <a:t>Οι	προγραμματιστές	συχνά	δίνουν προτεραιότητα στην απόδοση του αλγορίθμου παρά στο κοινωνικό πλαίσιο, οδηγώντας σε προκατάληψη στις αλγοριθμικές αποφάσεις και διαιωνισμό κοινωνικών ανισοτήτων.</a:t>
+            </a:r>
+          </a:p>
+          <a:p>
+            <a:pPr marL="0" indent="0" algn="just">
+              <a:buNone/>
+            </a:pPr>
+            <a:endParaRPr lang="el-GR" sz="2800" dirty="0"/>
+          </a:p>
+          <a:p>
+            <a:pPr algn="just"/>
+            <a:r>
+              <a:rPr lang="el-GR" sz="2400" dirty="0">
+                <a:latin typeface="+mn-lt"/>
+                <a:cs typeface="Calibri" panose="020F0502020204030204" pitchFamily="34" charset="0"/>
+              </a:rPr>
+              <a:t>Απαιτούνται κοινωνικοτεχνικές προσεγγίσεις και έλεγχος για δίκαιη	αλγοριθμική λήψη αποφάσεων.</a:t>
+            </a:r>
+          </a:p>
+          <a:p>
+            <a:pPr algn="just"/>
+            <a:endParaRPr lang="el-GR" sz="2800" dirty="0"/>
+          </a:p>
+          <a:p>
+            <a:pPr algn="just"/>
+            <a:endParaRPr lang="el-GR" sz="2800" dirty="0"/>
+          </a:p>
+          <a:p>
+            <a:pPr algn="just"/>
+            <a:endParaRPr lang="el-GR" sz="2800" dirty="0"/>
+          </a:p>
+          <a:p>
+            <a:pPr algn="just"/>
+            <a:endParaRPr lang="el-GR" sz="2800" dirty="0"/>
+          </a:p>
+          <a:p>
+            <a:pPr algn="just"/>
             <a:endParaRPr lang="el-GR" sz="2800" dirty="0"/>
           </a:p>
         </p:txBody>
@@ -7883,15 +7982,28 @@
           <a:p>
             <a:pPr algn="just"/>
             <a:r>
-              <a:rPr lang="el-GR" sz="2800" dirty="0">
-                <a:effectLst/>
-                <a:latin typeface="Calibri" panose="020F0502020204030204" pitchFamily="34" charset="0"/>
-                <a:ea typeface="Times New Roman" panose="02020603050405020304" pitchFamily="18" charset="0"/>
-                <a:cs typeface="Times New Roman" panose="02020603050405020304" pitchFamily="18" charset="0"/>
+              <a:rPr lang="el-GR" sz="2400" dirty="0">
+                <a:latin typeface="+mn-lt"/>
+                <a:cs typeface="Calibri" panose="020F0502020204030204" pitchFamily="34" charset="0"/>
               </a:rPr>
-              <a:t>Η προκατάληψη και άδικη μεταχείριση εις βάρος ορισμένων κοινωνικών ομάδων εξαιτίας των αλγοριθμικών αποφάσεων.</a:t>
-            </a:r>
+              <a:t>Η απουσία	ορισμού	και	μετρικών	της δικαιοσύνης ως έννοιας οδηγεί σε διακρίσεις στη λήψη αλγοριθμικών αποφάσεων.</a:t>
+            </a:r>
+          </a:p>
+          <a:p>
+            <a:pPr marL="0" indent="0" algn="just">
+              <a:buNone/>
+            </a:pPr>
             <a:endParaRPr lang="el-GR" sz="2800" dirty="0"/>
+          </a:p>
+          <a:p>
+            <a:pPr algn="just"/>
+            <a:r>
+              <a:rPr lang="el-GR" sz="2400" dirty="0">
+                <a:latin typeface="+mn-lt"/>
+                <a:cs typeface="Calibri" panose="020F0502020204030204" pitchFamily="34" charset="0"/>
+              </a:rPr>
+              <a:t>Λύση οι συνεργατικές μέθοδοι βασισμένες στη γνώση και τον συντονισμό του αλγοριθμικού σχεδιασμού με τις δημόσιες απόψεις.</a:t>
+            </a:r>
           </a:p>
         </p:txBody>
       </p:sp>
@@ -7997,15 +8109,64 @@
           <a:p>
             <a:pPr algn="just"/>
             <a:r>
-              <a:rPr lang="el-GR" sz="2800" dirty="0">
+              <a:rPr lang="el-GR" sz="2400" dirty="0">
                 <a:effectLst/>
-                <a:latin typeface="Calibri" panose="020F0502020204030204" pitchFamily="34" charset="0"/>
+                <a:latin typeface="+mn-lt"/>
                 <a:ea typeface="Times New Roman" panose="02020603050405020304" pitchFamily="18" charset="0"/>
                 <a:cs typeface="Times New Roman" panose="02020603050405020304" pitchFamily="18" charset="0"/>
               </a:rPr>
-              <a:t>Οι απρόβλεπτες επιπτώσεις που μπορεί να έχουν οι αλγόριθμοι εις βάρος των χρηστών τους, κυρίως στην αυτονομία τους και στην ιδιωτικότητας τους.</a:t>
-            </a:r>
-            <a:endParaRPr lang="el-GR" sz="2800" dirty="0"/>
+              <a:t>Οι απρόβλεπτες επιπτώσεις που μπορεί να έχουν οι αλγόριθμοι εις βάρος των χρηστών τους, κυρίως στην αυτονομία τους και στην ιδιωτικότητ</a:t>
+            </a:r>
+            <a:r>
+              <a:rPr lang="el-GR" sz="2400" dirty="0">
+                <a:latin typeface="+mn-lt"/>
+                <a:ea typeface="Times New Roman" panose="02020603050405020304" pitchFamily="18" charset="0"/>
+                <a:cs typeface="Times New Roman" panose="02020603050405020304" pitchFamily="18" charset="0"/>
+              </a:rPr>
+              <a:t>α</a:t>
+            </a:r>
+            <a:r>
+              <a:rPr lang="el-GR" sz="2400" dirty="0">
+                <a:effectLst/>
+                <a:latin typeface="+mn-lt"/>
+                <a:ea typeface="Times New Roman" panose="02020603050405020304" pitchFamily="18" charset="0"/>
+                <a:cs typeface="Times New Roman" panose="02020603050405020304" pitchFamily="18" charset="0"/>
+              </a:rPr>
+              <a:t> τους.</a:t>
+            </a:r>
+          </a:p>
+          <a:p>
+            <a:pPr algn="just"/>
+            <a:endParaRPr lang="el-GR" sz="2400" dirty="0">
+              <a:latin typeface="+mn-lt"/>
+              <a:cs typeface="Times New Roman" panose="02020603050405020304" pitchFamily="18" charset="0"/>
+            </a:endParaRPr>
+          </a:p>
+          <a:p>
+            <a:pPr algn="just"/>
+            <a:r>
+              <a:rPr lang="el-GR" sz="2400" dirty="0">
+                <a:latin typeface="+mn-lt"/>
+              </a:rPr>
+              <a:t> </a:t>
+            </a:r>
+            <a:r>
+              <a:rPr lang="el-GR" sz="2400" dirty="0">
+                <a:latin typeface="+mn-lt"/>
+                <a:cs typeface="Calibri" panose="020F0502020204030204" pitchFamily="34" charset="0"/>
+              </a:rPr>
+              <a:t>Ανάγκη	συμμετοχής 	των	χρηστών	στον	σχεδιασμό των συστημάτων.  </a:t>
+            </a:r>
+          </a:p>
+          <a:p>
+            <a:pPr algn="just"/>
+            <a:r>
+              <a:rPr lang="el-GR" sz="2400" dirty="0">
+                <a:latin typeface="+mn-lt"/>
+                <a:cs typeface="Calibri" panose="020F0502020204030204" pitchFamily="34" charset="0"/>
+              </a:rPr>
+              <a:t>Αναδυόμενες μέθοδοι προστασίας του απορρήτου, όπως το διαφορικό απόρρητο.</a:t>
+            </a:r>
           </a:p>
         </p:txBody>
       </p:sp>
@@ -8113,13 +8274,15 @@
             <a:r>
               <a:rPr lang="el-GR" sz="2800" dirty="0">
                 <a:effectLst/>
-                <a:latin typeface="Calibri" panose="020F0502020204030204" pitchFamily="34" charset="0"/>
+                <a:latin typeface="+mn-lt"/>
                 <a:ea typeface="Times New Roman" panose="02020603050405020304" pitchFamily="18" charset="0"/>
                 <a:cs typeface="Times New Roman" panose="02020603050405020304" pitchFamily="18" charset="0"/>
               </a:rPr>
               <a:t>Η δυσκολία εντοπισμού της προέλευσης και ευθύνης των αποφάσεων των αλγορίθμων, εξαιτίας της πολυπλοκότητας, έλλειψης διαφάνειας τους και συχνά στην έλλειψη νομοθεσίας.</a:t>
             </a:r>
-            <a:endParaRPr lang="el-GR" sz="2800" dirty="0"/>
+            <a:endParaRPr lang="el-GR" sz="2800" dirty="0">
+              <a:latin typeface="+mn-lt"/>
+            </a:endParaRPr>
           </a:p>
         </p:txBody>
       </p:sp>
